--- a/其他参考资料/文本匹配模块.pptx
+++ b/其他参考资料/文本匹配模块.pptx
@@ -105,6 +105,11 @@
       </a:defRPr>
     </a:lvl9pPr>
   </p:defaultTextStyle>
+  <p:extLst>
+    <p:ext uri="{EFAFB233-063F-42B5-8137-9DF3F51BA10A}">
+      <p15:sldGuideLst xmlns:p15="http://schemas.microsoft.com/office/powerpoint/2012/main"/>
+    </p:ext>
+  </p:extLst>
 </p:presentation>
 </file>
 
@@ -9977,7 +9982,6 @@
                         <a:rPr lang="zh-CN" altLang="en-US" sz="1600" dirty="0" smtClean="0"/>
                         <a:t>词频</a:t>
                       </a:r>
-                      <a:endParaRPr lang="zh-CN" altLang="en-US" sz="1600" dirty="0" smtClean="0"/>
                     </a:p>
                   </a:txBody>
                   <a:tcPr>
@@ -10058,7 +10062,6 @@
                         <a:rPr lang="zh-CN" altLang="en-US" sz="1600" dirty="0" smtClean="0"/>
                         <a:t>去停止词</a:t>
                       </a:r>
-                      <a:endParaRPr lang="zh-CN" altLang="en-US" sz="1600" dirty="0" smtClean="0"/>
                     </a:p>
                   </a:txBody>
                   <a:tcPr>
